--- a/eece2160/f18/lectures/eece.2160f18_lec1_intro.pptx
+++ b/eece2160/f18/lectures/eece.2160f18_lec1_intro.pptx
@@ -2368,7 +2368,7 @@
           <a:p>
             <a:fld id="{F6AB22BC-3F13-D041-B7E7-53D345F3D506}" type="datetime1">
               <a:rPr lang="en-US" smtClean="0"/>
-              <a:t>9/4/18</a:t>
+              <a:t>9/5/18</a:t>
             </a:fld>
             <a:endParaRPr lang="en-US"/>
           </a:p>
@@ -2564,7 +2564,7 @@
           <a:p>
             <a:fld id="{CE50B5AC-4C1F-BC48-8E9E-825342826844}" type="datetime1">
               <a:rPr lang="en-US" smtClean="0"/>
-              <a:t>9/4/18</a:t>
+              <a:t>9/5/18</a:t>
             </a:fld>
             <a:endParaRPr lang="en-US"/>
           </a:p>
@@ -2769,7 +2769,7 @@
           <a:p>
             <a:fld id="{19140AB6-D9F1-7F4C-8DDB-13DA33D45B67}" type="datetime1">
               <a:rPr lang="en-US" smtClean="0"/>
-              <a:t>9/4/18</a:t>
+              <a:t>9/5/18</a:t>
             </a:fld>
             <a:endParaRPr lang="en-US"/>
           </a:p>
@@ -3031,7 +3031,7 @@
           <a:p>
             <a:fld id="{1D8A0311-486A-EE4B-8667-B72E790F4B34}" type="datetime1">
               <a:rPr lang="en-US" smtClean="0"/>
-              <a:t>9/4/18</a:t>
+              <a:t>9/5/18</a:t>
             </a:fld>
             <a:endParaRPr lang="en-US"/>
           </a:p>
@@ -3293,7 +3293,7 @@
           <a:p>
             <a:fld id="{7BF49E88-F204-CF48-9256-C1FED9EE3C63}" type="datetime1">
               <a:rPr lang="en-US" smtClean="0"/>
-              <a:t>9/4/18</a:t>
+              <a:t>9/5/18</a:t>
             </a:fld>
             <a:endParaRPr lang="en-US"/>
           </a:p>
@@ -3488,7 +3488,7 @@
           <a:p>
             <a:fld id="{BA7177C3-D81E-3741-A84F-39E996C00AC0}" type="datetime1">
               <a:rPr lang="en-US" smtClean="0"/>
-              <a:t>9/4/18</a:t>
+              <a:t>9/5/18</a:t>
             </a:fld>
             <a:endParaRPr lang="en-US"/>
           </a:p>
@@ -3705,7 +3705,7 @@
           <a:p>
             <a:fld id="{2484A921-CD18-F748-876E-9D7B936434CD}" type="datetime1">
               <a:rPr lang="en-US" smtClean="0"/>
-              <a:t>9/4/18</a:t>
+              <a:t>9/5/18</a:t>
             </a:fld>
             <a:endParaRPr lang="en-US"/>
           </a:p>
@@ -4018,7 +4018,7 @@
           <a:p>
             <a:fld id="{79EC2E33-3B9F-1F4C-86B8-731DA9EDE679}" type="datetime1">
               <a:rPr lang="en-US" smtClean="0"/>
-              <a:t>9/4/18</a:t>
+              <a:t>9/5/18</a:t>
             </a:fld>
             <a:endParaRPr lang="en-US"/>
           </a:p>
@@ -4470,7 +4470,7 @@
           <a:p>
             <a:fld id="{84F2A380-89CA-8A4B-8697-6289D3F7530D}" type="datetime1">
               <a:rPr lang="en-US" smtClean="0"/>
-              <a:t>9/4/18</a:t>
+              <a:t>9/5/18</a:t>
             </a:fld>
             <a:endParaRPr lang="en-US"/>
           </a:p>
@@ -4613,7 +4613,7 @@
           <a:p>
             <a:fld id="{BEC2A9CF-B718-1340-B187-248523176641}" type="datetime1">
               <a:rPr lang="en-US" smtClean="0"/>
-              <a:t>9/4/18</a:t>
+              <a:t>9/5/18</a:t>
             </a:fld>
             <a:endParaRPr lang="en-US"/>
           </a:p>
@@ -4733,7 +4733,7 @@
           <a:p>
             <a:fld id="{08CD3B3E-3CD8-4C4D-AC23-A81D295B31C3}" type="datetime1">
               <a:rPr lang="en-US" smtClean="0"/>
-              <a:t>9/4/18</a:t>
+              <a:t>9/5/18</a:t>
             </a:fld>
             <a:endParaRPr lang="en-US"/>
           </a:p>
@@ -5035,7 +5035,7 @@
           <a:p>
             <a:fld id="{86EAE07D-08A0-6F42-8722-4AD6DB3DECDF}" type="datetime1">
               <a:rPr lang="en-US" smtClean="0"/>
-              <a:t>9/4/18</a:t>
+              <a:t>9/5/18</a:t>
             </a:fld>
             <a:endParaRPr lang="en-US"/>
           </a:p>
@@ -5314,7 +5314,7 @@
           <a:p>
             <a:fld id="{2F7A613D-EFF1-024E-AEF1-6A01C3079629}" type="datetime1">
               <a:rPr lang="en-US" smtClean="0"/>
-              <a:t>9/4/18</a:t>
+              <a:t>9/5/18</a:t>
             </a:fld>
             <a:endParaRPr lang="en-US"/>
           </a:p>
@@ -5612,7 +5612,7 @@
           <a:p>
             <a:fld id="{70E50D42-73AC-8742-B23A-E48C40F82084}" type="datetime1">
               <a:rPr lang="en-US" smtClean="0"/>
-              <a:t>9/4/18</a:t>
+              <a:t>9/5/18</a:t>
             </a:fld>
             <a:endParaRPr lang="en-US"/>
           </a:p>
@@ -6673,7 +6673,7 @@
           <a:p>
             <a:fld id="{3ABB7120-FCF2-F743-9D52-C4937A807088}" type="datetime1">
               <a:rPr lang="en-US" smtClean="0"/>
-              <a:t>9/4/18</a:t>
+              <a:t>9/5/18</a:t>
             </a:fld>
             <a:endParaRPr lang="en-US"/>
           </a:p>
@@ -6901,7 +6901,7 @@
               <a:rPr lang="en-US" smtClean="0">
                 <a:latin typeface="Garamond" charset="0"/>
               </a:rPr>
-              <a:t>9/4/18</a:t>
+              <a:t>9/5/18</a:t>
             </a:fld>
             <a:endParaRPr lang="en-US">
               <a:latin typeface="Garamond" charset="0"/>
@@ -7592,7 +7592,7 @@
               <a:rPr lang="en-US" smtClean="0">
                 <a:latin typeface="Garamond" charset="0"/>
               </a:rPr>
-              <a:t>9/4/18</a:t>
+              <a:t>9/5/18</a:t>
             </a:fld>
             <a:endParaRPr lang="en-US">
               <a:latin typeface="Garamond" charset="0"/>
@@ -8199,7 +8199,7 @@
               <a:rPr lang="en-US" smtClean="0">
                 <a:latin typeface="Garamond" charset="0"/>
               </a:rPr>
-              <a:t>9/4/18</a:t>
+              <a:t>9/5/18</a:t>
             </a:fld>
             <a:endParaRPr lang="en-US">
               <a:latin typeface="Garamond" charset="0"/>
@@ -8675,7 +8675,7 @@
               <a:rPr lang="en-US" smtClean="0">
                 <a:latin typeface="Garamond" charset="0"/>
               </a:rPr>
-              <a:t>9/4/18</a:t>
+              <a:t>9/5/18</a:t>
             </a:fld>
             <a:endParaRPr lang="en-US">
               <a:latin typeface="Garamond" charset="0"/>
@@ -9378,7 +9378,7 @@
               <a:rPr lang="en-US" smtClean="0">
                 <a:latin typeface="Garamond" charset="0"/>
               </a:rPr>
-              <a:t>9/4/18</a:t>
+              <a:t>9/5/18</a:t>
             </a:fld>
             <a:endParaRPr lang="en-US">
               <a:latin typeface="Garamond" charset="0"/>
@@ -10093,7 +10093,7 @@
               <a:rPr lang="en-US" smtClean="0">
                 <a:latin typeface="Garamond" charset="0"/>
               </a:rPr>
-              <a:t>9/4/18</a:t>
+              <a:t>9/5/18</a:t>
             </a:fld>
             <a:endParaRPr lang="en-US">
               <a:latin typeface="Garamond" charset="0"/>
@@ -10982,7 +10982,7 @@
               <a:rPr lang="en-US" smtClean="0">
                 <a:latin typeface="Garamond" charset="0"/>
               </a:rPr>
-              <a:t>9/4/18</a:t>
+              <a:t>9/5/18</a:t>
             </a:fld>
             <a:endParaRPr lang="en-US">
               <a:latin typeface="Garamond" charset="0"/>
@@ -11619,71 +11619,80 @@
         </p:nvSpPr>
         <p:spPr/>
         <p:txBody>
-          <a:bodyPr/>
+          <a:bodyPr>
+            <a:normAutofit lnSpcReduction="10000"/>
+          </a:bodyPr>
           <a:lstStyle/>
           <a:p>
             <a:r>
-              <a:rPr lang="en-US" smtClean="0"/>
+              <a:rPr lang="en-US" dirty="0" smtClean="0"/>
               <a:t>Next time:</a:t>
             </a:r>
           </a:p>
           <a:p>
             <a:pPr lvl="1"/>
             <a:r>
-              <a:rPr lang="en-US" smtClean="0"/>
+              <a:rPr lang="en-US" dirty="0" smtClean="0"/>
               <a:t>Basic C program structure</a:t>
             </a:r>
           </a:p>
           <a:p>
             <a:pPr lvl="1"/>
             <a:r>
-              <a:rPr lang="en-US" smtClean="0"/>
+              <a:rPr lang="en-US" dirty="0" smtClean="0"/>
               <a:t>IDE demonstration</a:t>
             </a:r>
           </a:p>
           <a:p>
             <a:pPr lvl="2"/>
-            <a:endParaRPr lang="en-US" smtClean="0"/>
-          </a:p>
-          <a:p>
-            <a:r>
-              <a:rPr lang="en-US" smtClean="0"/>
+            <a:endParaRPr lang="en-US" dirty="0" smtClean="0"/>
+          </a:p>
+          <a:p>
+            <a:r>
+              <a:rPr lang="en-US" dirty="0" smtClean="0"/>
               <a:t>Reminders:</a:t>
             </a:r>
           </a:p>
           <a:p>
             <a:pPr lvl="1"/>
             <a:r>
-              <a:rPr lang="en-US" smtClean="0"/>
+              <a:rPr lang="en-US" dirty="0" smtClean="0"/>
               <a:t>Chapter 1 exercises due Monday, 9/10</a:t>
             </a:r>
           </a:p>
           <a:p>
             <a:pPr lvl="1"/>
             <a:r>
-              <a:rPr lang="en-US" smtClean="0"/>
+              <a:rPr lang="en-US" dirty="0" smtClean="0"/>
               <a:t>Program 1 due Wednesday, 9/12</a:t>
             </a:r>
           </a:p>
           <a:p>
             <a:pPr lvl="2"/>
             <a:r>
-              <a:rPr lang="en-US" smtClean="0"/>
+              <a:rPr lang="en-US" dirty="0" smtClean="0"/>
               <a:t>10 points: register for access to the course textbook</a:t>
             </a:r>
           </a:p>
           <a:p>
             <a:pPr lvl="2"/>
             <a:r>
-              <a:rPr lang="en-US" smtClean="0"/>
+              <a:rPr lang="en-US" dirty="0" smtClean="0"/>
               <a:t>10 points: introduce yourself to your instructor</a:t>
             </a:r>
           </a:p>
           <a:p>
             <a:pPr lvl="2"/>
             <a:r>
-              <a:rPr lang="en-US" smtClean="0"/>
+              <a:rPr lang="en-US" dirty="0" smtClean="0"/>
               <a:t>30 points: complete simple C program</a:t>
+            </a:r>
+          </a:p>
+          <a:p>
+            <a:pPr lvl="1"/>
+            <a:r>
+              <a:rPr lang="en-US"/>
+              <a:t>No office hours this Thursday</a:t>
             </a:r>
             <a:endParaRPr lang="en-US" dirty="0"/>
           </a:p>
@@ -11822,7 +11831,7 @@
             <a:fld id="{217E7EE8-5A33-1F4C-9F04-26D2120514DE}" type="datetime1">
               <a:rPr lang="en-US" smtClean="0"/>
               <a:pPr/>
-              <a:t>9/4/18</a:t>
+              <a:t>9/5/18</a:t>
             </a:fld>
             <a:endParaRPr lang="en-US"/>
           </a:p>
@@ -12064,7 +12073,7 @@
         </p:spPr>
         <p:txBody>
           <a:bodyPr>
-            <a:normAutofit lnSpcReduction="10000"/>
+            <a:normAutofit fontScale="92500" lnSpcReduction="10000"/>
           </a:bodyPr>
           <a:lstStyle/>
           <a:p>
@@ -12136,8 +12145,20 @@
             <a:pPr lvl="2"/>
             <a:r>
               <a:rPr lang="en-US" sz="1800" dirty="0"/>
-              <a:t>30 points: complete simple C program</a:t>
-            </a:r>
+              <a:t>30 points: complete simple C </a:t>
+            </a:r>
+            <a:r>
+              <a:rPr lang="en-US" sz="1800" dirty="0" smtClean="0"/>
+              <a:t>program</a:t>
+            </a:r>
+          </a:p>
+          <a:p>
+            <a:pPr lvl="1"/>
+            <a:r>
+              <a:rPr lang="en-US" dirty="0" smtClean="0"/>
+              <a:t>No office hours this Thursday</a:t>
+            </a:r>
+            <a:endParaRPr lang="en-US" dirty="0"/>
           </a:p>
           <a:p>
             <a:pPr lvl="2">
@@ -12412,7 +12433,7 @@
               <a:rPr lang="en-US" smtClean="0">
                 <a:latin typeface="Garamond" charset="0"/>
               </a:rPr>
-              <a:t>9/4/18</a:t>
+              <a:t>9/5/18</a:t>
             </a:fld>
             <a:endParaRPr lang="en-US">
               <a:latin typeface="Garamond" charset="0"/>
@@ -12757,7 +12778,7 @@
               <a:rPr lang="en-US" smtClean="0">
                 <a:latin typeface="Garamond" charset="0"/>
               </a:rPr>
-              <a:t>9/4/18</a:t>
+              <a:t>9/5/18</a:t>
             </a:fld>
             <a:endParaRPr lang="en-US">
               <a:latin typeface="Garamond" charset="0"/>
@@ -13279,7 +13300,7 @@
               <a:rPr lang="en-US" smtClean="0">
                 <a:latin typeface="Garamond" charset="0"/>
               </a:rPr>
-              <a:t>9/4/18</a:t>
+              <a:t>9/5/18</a:t>
             </a:fld>
             <a:endParaRPr lang="en-US">
               <a:latin typeface="Garamond" charset="0"/>
@@ -13917,7 +13938,7 @@
               <a:rPr lang="en-US" smtClean="0">
                 <a:latin typeface="Garamond" charset="0"/>
               </a:rPr>
-              <a:t>9/4/18</a:t>
+              <a:t>9/5/18</a:t>
             </a:fld>
             <a:endParaRPr lang="en-US">
               <a:latin typeface="Garamond" charset="0"/>
@@ -14818,7 +14839,7 @@
               <a:rPr lang="en-US" smtClean="0">
                 <a:latin typeface="Garamond" charset="0"/>
               </a:rPr>
-              <a:t>9/4/18</a:t>
+              <a:t>9/5/18</a:t>
             </a:fld>
             <a:endParaRPr lang="en-US">
               <a:latin typeface="Garamond" charset="0"/>
@@ -15256,7 +15277,7 @@
           <a:p>
             <a:fld id="{C983AF4E-1458-4A4B-8422-E76249AAE24E}" type="datetime1">
               <a:rPr lang="en-US" smtClean="0"/>
-              <a:t>9/4/18</a:t>
+              <a:t>9/5/18</a:t>
             </a:fld>
             <a:endParaRPr lang="en-US"/>
           </a:p>
@@ -15561,7 +15582,7 @@
           <a:p>
             <a:fld id="{BA7177C3-D81E-3741-A84F-39E996C00AC0}" type="datetime1">
               <a:rPr lang="en-US" smtClean="0"/>
-              <a:t>9/4/18</a:t>
+              <a:t>9/5/18</a:t>
             </a:fld>
             <a:endParaRPr lang="en-US"/>
           </a:p>
@@ -15966,7 +15987,7 @@
               <a:rPr lang="en-US" smtClean="0">
                 <a:latin typeface="Garamond" charset="0"/>
               </a:rPr>
-              <a:t>9/4/18</a:t>
+              <a:t>9/5/18</a:t>
             </a:fld>
             <a:endParaRPr lang="en-US">
               <a:latin typeface="Garamond" charset="0"/>
